--- a/slides/PICS_talk.pptx
+++ b/slides/PICS_talk.pptx
@@ -5,10 +5,10 @@
     <p:sldMasterId id="2147483648" r:id="rId1"/>
   </p:sldMasterIdLst>
   <p:notesMasterIdLst>
-    <p:notesMasterId r:id="rId50"/>
+    <p:notesMasterId r:id="rId51"/>
   </p:notesMasterIdLst>
   <p:handoutMasterIdLst>
-    <p:handoutMasterId r:id="rId51"/>
+    <p:handoutMasterId r:id="rId52"/>
   </p:handoutMasterIdLst>
   <p:sldIdLst>
     <p:sldId id="256" r:id="rId2"/>
@@ -56,9 +56,10 @@
     <p:sldId id="330" r:id="rId44"/>
     <p:sldId id="324" r:id="rId45"/>
     <p:sldId id="325" r:id="rId46"/>
-    <p:sldId id="340" r:id="rId47"/>
+    <p:sldId id="343" r:id="rId47"/>
     <p:sldId id="339" r:id="rId48"/>
     <p:sldId id="326" r:id="rId49"/>
+    <p:sldId id="344" r:id="rId50"/>
   </p:sldIdLst>
   <p:sldSz cx="9144000" cy="6858000" type="screen4x3"/>
   <p:notesSz cx="6858000" cy="9144000"/>
@@ -211,9 +212,10 @@
             <p14:sldId id="330"/>
             <p14:sldId id="324"/>
             <p14:sldId id="325"/>
-            <p14:sldId id="340"/>
+            <p14:sldId id="343"/>
             <p14:sldId id="339"/>
             <p14:sldId id="326"/>
+            <p14:sldId id="344"/>
           </p14:sldIdLst>
         </p14:section>
       </p14:sectionLst>
@@ -310,7 +312,7 @@
           <a:p>
             <a:fld id="{7E37B48D-A559-6F41-A85D-9198382D8E74}" type="datetime1">
               <a:rPr lang="en-US" smtClean="0"/>
-              <a:t>2/29/16</a:t>
+              <a:t>3/7/16</a:t>
             </a:fld>
             <a:endParaRPr lang="en-US"/>
           </a:p>
@@ -476,7 +478,7 @@
           <a:p>
             <a:fld id="{A07269D8-8511-224D-9EC2-608B032B74D9}" type="datetime1">
               <a:rPr lang="en-US" smtClean="0"/>
-              <a:t>2/29/16</a:t>
+              <a:t>3/7/16</a:t>
             </a:fld>
             <a:endParaRPr lang="en-US"/>
           </a:p>
@@ -2174,7 +2176,7 @@
           <a:p>
             <a:fld id="{6BFECD78-3C8E-49F2-8FAB-59489D168ABB}" type="datetimeFigureOut">
               <a:rPr lang="en-US" smtClean="0"/>
-              <a:t>2/29/16</a:t>
+              <a:t>3/7/16</a:t>
             </a:fld>
             <a:endParaRPr lang="en-US"/>
           </a:p>
@@ -2344,7 +2346,7 @@
           <a:p>
             <a:fld id="{6BFECD78-3C8E-49F2-8FAB-59489D168ABB}" type="datetimeFigureOut">
               <a:rPr lang="en-US" smtClean="0"/>
-              <a:t>2/29/16</a:t>
+              <a:t>3/7/16</a:t>
             </a:fld>
             <a:endParaRPr lang="en-US"/>
           </a:p>
@@ -2524,7 +2526,7 @@
           <a:p>
             <a:fld id="{6BFECD78-3C8E-49F2-8FAB-59489D168ABB}" type="datetimeFigureOut">
               <a:rPr lang="en-US" smtClean="0"/>
-              <a:t>2/29/16</a:t>
+              <a:t>3/7/16</a:t>
             </a:fld>
             <a:endParaRPr lang="en-US"/>
           </a:p>
@@ -2694,7 +2696,7 @@
           <a:p>
             <a:fld id="{6BFECD78-3C8E-49F2-8FAB-59489D168ABB}" type="datetimeFigureOut">
               <a:rPr lang="en-US" smtClean="0"/>
-              <a:t>2/29/16</a:t>
+              <a:t>3/7/16</a:t>
             </a:fld>
             <a:endParaRPr lang="en-US"/>
           </a:p>
@@ -2940,7 +2942,7 @@
           <a:p>
             <a:fld id="{6BFECD78-3C8E-49F2-8FAB-59489D168ABB}" type="datetimeFigureOut">
               <a:rPr lang="en-US" smtClean="0"/>
-              <a:t>2/29/16</a:t>
+              <a:t>3/7/16</a:t>
             </a:fld>
             <a:endParaRPr lang="en-US"/>
           </a:p>
@@ -3228,7 +3230,7 @@
           <a:p>
             <a:fld id="{6BFECD78-3C8E-49F2-8FAB-59489D168ABB}" type="datetimeFigureOut">
               <a:rPr lang="en-US" smtClean="0"/>
-              <a:t>2/29/16</a:t>
+              <a:t>3/7/16</a:t>
             </a:fld>
             <a:endParaRPr lang="en-US"/>
           </a:p>
@@ -3650,7 +3652,7 @@
           <a:p>
             <a:fld id="{6BFECD78-3C8E-49F2-8FAB-59489D168ABB}" type="datetimeFigureOut">
               <a:rPr lang="en-US" smtClean="0"/>
-              <a:t>2/29/16</a:t>
+              <a:t>3/7/16</a:t>
             </a:fld>
             <a:endParaRPr lang="en-US"/>
           </a:p>
@@ -3768,7 +3770,7 @@
           <a:p>
             <a:fld id="{6BFECD78-3C8E-49F2-8FAB-59489D168ABB}" type="datetimeFigureOut">
               <a:rPr lang="en-US" smtClean="0"/>
-              <a:t>2/29/16</a:t>
+              <a:t>3/7/16</a:t>
             </a:fld>
             <a:endParaRPr lang="en-US"/>
           </a:p>
@@ -3863,7 +3865,7 @@
           <a:p>
             <a:fld id="{6BFECD78-3C8E-49F2-8FAB-59489D168ABB}" type="datetimeFigureOut">
               <a:rPr lang="en-US" smtClean="0"/>
-              <a:t>2/29/16</a:t>
+              <a:t>3/7/16</a:t>
             </a:fld>
             <a:endParaRPr lang="en-US"/>
           </a:p>
@@ -4140,7 +4142,7 @@
           <a:p>
             <a:fld id="{6BFECD78-3C8E-49F2-8FAB-59489D168ABB}" type="datetimeFigureOut">
               <a:rPr lang="en-US" smtClean="0"/>
-              <a:t>2/29/16</a:t>
+              <a:t>3/7/16</a:t>
             </a:fld>
             <a:endParaRPr lang="en-US"/>
           </a:p>
@@ -4397,7 +4399,7 @@
           <a:p>
             <a:fld id="{6BFECD78-3C8E-49F2-8FAB-59489D168ABB}" type="datetimeFigureOut">
               <a:rPr lang="en-US" smtClean="0"/>
-              <a:t>2/29/16</a:t>
+              <a:t>3/7/16</a:t>
             </a:fld>
             <a:endParaRPr lang="en-US"/>
           </a:p>
@@ -4610,7 +4612,7 @@
           <a:p>
             <a:fld id="{6BFECD78-3C8E-49F2-8FAB-59489D168ABB}" type="datetimeFigureOut">
               <a:rPr lang="en-US" smtClean="0"/>
-              <a:t>2/29/16</a:t>
+              <a:t>3/7/16</a:t>
             </a:fld>
             <a:endParaRPr lang="en-US"/>
           </a:p>
@@ -5174,11 +5176,7 @@
             </a:r>
             <a:r>
               <a:rPr lang="en-US" sz="2200" dirty="0" smtClean="0"/>
-              <a:t>, </a:t>
-            </a:r>
-            <a:r>
-              <a:rPr lang="en-US" sz="2200" dirty="0" smtClean="0"/>
-              <a:t>2016 </a:t>
+              <a:t>, 2016 </a:t>
             </a:r>
             <a:endParaRPr lang="en-US" sz="2200" dirty="0"/>
           </a:p>
@@ -17351,37 +17349,9 @@
           <a:chExt cx="0" cy="0"/>
         </a:xfrm>
       </p:grpSpPr>
-      <p:sp>
-        <p:nvSpPr>
-          <p:cNvPr id="2" name="Title 1"/>
-          <p:cNvSpPr>
-            <a:spLocks noGrp="1"/>
-          </p:cNvSpPr>
-          <p:nvPr>
-            <p:ph type="title"/>
-          </p:nvPr>
-        </p:nvSpPr>
-        <p:spPr>
-          <a:xfrm>
-            <a:off x="457200" y="-75033"/>
-            <a:ext cx="8229600" cy="1143000"/>
-          </a:xfrm>
-        </p:spPr>
-        <p:txBody>
-          <a:bodyPr/>
-          <a:lstStyle/>
-          <a:p>
-            <a:r>
-              <a:rPr lang="en-US" dirty="0" smtClean="0"/>
-              <a:t>More volatile snowlines in disks</a:t>
-            </a:r>
-            <a:endParaRPr lang="en-US" dirty="0"/>
-          </a:p>
-        </p:txBody>
-      </p:sp>
       <p:pic>
         <p:nvPicPr>
-          <p:cNvPr id="4" name="Picture 3" descr="CNO_and_snowlines_2.pdf"/>
+          <p:cNvPr id="6" name="Picture 5" descr="CNO_and_snowlines_single.pdf"/>
           <p:cNvPicPr>
             <a:picLocks noChangeAspect="1"/>
           </p:cNvPicPr>
@@ -17401,8 +17371,8 @@
         </p:blipFill>
         <p:spPr>
           <a:xfrm>
-            <a:off x="175652" y="1077038"/>
-            <a:ext cx="8745602" cy="5623908"/>
+            <a:off x="80210" y="1663701"/>
+            <a:ext cx="9020913" cy="4064528"/>
           </a:xfrm>
           <a:prstGeom prst="rect">
             <a:avLst/>
@@ -17411,13 +17381,36 @@
       </p:pic>
       <p:sp>
         <p:nvSpPr>
+          <p:cNvPr id="2" name="Title 1"/>
+          <p:cNvSpPr>
+            <a:spLocks noGrp="1"/>
+          </p:cNvSpPr>
+          <p:nvPr>
+            <p:ph type="title"/>
+          </p:nvPr>
+        </p:nvSpPr>
+        <p:spPr/>
+        <p:txBody>
+          <a:bodyPr/>
+          <a:lstStyle/>
+          <a:p>
+            <a:r>
+              <a:rPr lang="en-US" dirty="0" smtClean="0"/>
+              <a:t>More volatile snowlines in disks</a:t>
+            </a:r>
+            <a:endParaRPr lang="en-US" dirty="0"/>
+          </a:p>
+        </p:txBody>
+      </p:sp>
+      <p:sp>
+        <p:nvSpPr>
           <p:cNvPr id="5" name="TextBox 4"/>
           <p:cNvSpPr txBox="1"/>
           <p:nvPr/>
         </p:nvSpPr>
         <p:spPr>
           <a:xfrm>
-            <a:off x="6228906" y="6364561"/>
+            <a:off x="6445098" y="5418861"/>
             <a:ext cx="3430472" cy="307777"/>
           </a:xfrm>
           <a:prstGeom prst="rect">
@@ -17466,13 +17459,20 @@
     </p:spTree>
     <p:extLst>
       <p:ext uri="{BB962C8B-B14F-4D97-AF65-F5344CB8AC3E}">
-        <p14:creationId xmlns:p14="http://schemas.microsoft.com/office/powerpoint/2010/main" val="1291226415"/>
+        <p14:creationId xmlns:p14="http://schemas.microsoft.com/office/powerpoint/2010/main" val="451214771"/>
       </p:ext>
     </p:extLst>
   </p:cSld>
   <p:clrMapOvr>
     <a:masterClrMapping/>
   </p:clrMapOvr>
+  <p:timing>
+    <p:tnLst>
+      <p:par>
+        <p:cTn xmlns:p14="http://schemas.microsoft.com/office/powerpoint/2010/main" id="1" dur="indefinite" restart="never" nodeType="tmRoot"/>
+      </p:par>
+    </p:tnLst>
+  </p:timing>
 </p:sld>
 </file>
 
@@ -17867,11 +17867,6 @@
               </a:rPr>
               <a:t>50-60%</a:t>
             </a:r>
-            <a:endParaRPr lang="en-US" dirty="0" smtClean="0">
-              <a:solidFill>
-                <a:srgbClr val="FFFF00"/>
-              </a:solidFill>
-            </a:endParaRPr>
           </a:p>
           <a:p>
             <a:pPr marL="0" indent="0">
@@ -18013,6 +18008,155 @@
     <p:extLst>
       <p:ext uri="{BB962C8B-B14F-4D97-AF65-F5344CB8AC3E}">
         <p14:creationId xmlns:p14="http://schemas.microsoft.com/office/powerpoint/2010/main" val="2696013150"/>
+      </p:ext>
+    </p:extLst>
+  </p:cSld>
+  <p:clrMapOvr>
+    <a:masterClrMapping/>
+  </p:clrMapOvr>
+  <p:timing>
+    <p:tnLst>
+      <p:par>
+        <p:cTn xmlns:p14="http://schemas.microsoft.com/office/powerpoint/2010/main" id="1" dur="indefinite" restart="never" nodeType="tmRoot"/>
+      </p:par>
+    </p:tnLst>
+  </p:timing>
+</p:sld>
+</file>
+
+<file path=ppt/slides/slide49.xml><?xml version="1.0" encoding="utf-8"?>
+<p:sld xmlns:a="http://schemas.openxmlformats.org/drawingml/2006/main" xmlns:r="http://schemas.openxmlformats.org/officeDocument/2006/relationships" xmlns:p="http://schemas.openxmlformats.org/presentationml/2006/main">
+  <p:cSld>
+    <p:spTree>
+      <p:nvGrpSpPr>
+        <p:cNvPr id="1" name=""/>
+        <p:cNvGrpSpPr/>
+        <p:nvPr/>
+      </p:nvGrpSpPr>
+      <p:grpSpPr>
+        <a:xfrm>
+          <a:off x="0" y="0"/>
+          <a:ext cx="0" cy="0"/>
+          <a:chOff x="0" y="0"/>
+          <a:chExt cx="0" cy="0"/>
+        </a:xfrm>
+      </p:grpSpPr>
+      <p:sp>
+        <p:nvSpPr>
+          <p:cNvPr id="2" name="Title 1"/>
+          <p:cNvSpPr>
+            <a:spLocks noGrp="1"/>
+          </p:cNvSpPr>
+          <p:nvPr>
+            <p:ph type="title"/>
+          </p:nvPr>
+        </p:nvSpPr>
+        <p:spPr>
+          <a:xfrm>
+            <a:off x="457200" y="-75033"/>
+            <a:ext cx="8229600" cy="1143000"/>
+          </a:xfrm>
+        </p:spPr>
+        <p:txBody>
+          <a:bodyPr/>
+          <a:lstStyle/>
+          <a:p>
+            <a:r>
+              <a:rPr lang="en-US" dirty="0" smtClean="0"/>
+              <a:t>More volatile snowlines in disks</a:t>
+            </a:r>
+            <a:endParaRPr lang="en-US" dirty="0"/>
+          </a:p>
+        </p:txBody>
+      </p:sp>
+      <p:pic>
+        <p:nvPicPr>
+          <p:cNvPr id="4" name="Picture 3" descr="CNO_and_snowlines_2.pdf"/>
+          <p:cNvPicPr>
+            <a:picLocks noChangeAspect="1"/>
+          </p:cNvPicPr>
+          <p:nvPr/>
+        </p:nvPicPr>
+        <p:blipFill>
+          <a:blip r:embed="rId2">
+            <a:extLst>
+              <a:ext uri="{28A0092B-C50C-407E-A947-70E740481C1C}">
+                <a14:useLocalDpi xmlns:a14="http://schemas.microsoft.com/office/drawing/2010/main" val="0"/>
+              </a:ext>
+            </a:extLst>
+          </a:blip>
+          <a:stretch>
+            <a:fillRect/>
+          </a:stretch>
+        </p:blipFill>
+        <p:spPr>
+          <a:xfrm>
+            <a:off x="175652" y="1077038"/>
+            <a:ext cx="8745602" cy="5623908"/>
+          </a:xfrm>
+          <a:prstGeom prst="rect">
+            <a:avLst/>
+          </a:prstGeom>
+        </p:spPr>
+      </p:pic>
+      <p:sp>
+        <p:nvSpPr>
+          <p:cNvPr id="5" name="TextBox 4"/>
+          <p:cNvSpPr txBox="1"/>
+          <p:nvPr/>
+        </p:nvSpPr>
+        <p:spPr>
+          <a:xfrm>
+            <a:off x="6228906" y="6364561"/>
+            <a:ext cx="3430472" cy="307777"/>
+          </a:xfrm>
+          <a:prstGeom prst="rect">
+            <a:avLst/>
+          </a:prstGeom>
+          <a:noFill/>
+        </p:spPr>
+        <p:txBody>
+          <a:bodyPr wrap="square" rtlCol="0">
+            <a:spAutoFit/>
+          </a:bodyPr>
+          <a:lstStyle/>
+          <a:p>
+            <a:r>
+              <a:rPr lang="en-US" sz="1400" dirty="0" smtClean="0">
+                <a:solidFill>
+                  <a:schemeClr val="bg1"/>
+                </a:solidFill>
+              </a:rPr>
+              <a:t>Piso, Oberg, </a:t>
+            </a:r>
+            <a:r>
+              <a:rPr lang="en-US" sz="1400" dirty="0" err="1" smtClean="0">
+                <a:solidFill>
+                  <a:schemeClr val="bg1"/>
+                </a:solidFill>
+              </a:rPr>
+              <a:t>Pegues</a:t>
+            </a:r>
+            <a:r>
+              <a:rPr lang="en-US" sz="1400" dirty="0" smtClean="0">
+                <a:solidFill>
+                  <a:schemeClr val="bg1"/>
+                </a:solidFill>
+              </a:rPr>
+              <a:t> (2016, in prep)</a:t>
+            </a:r>
+            <a:endParaRPr lang="en-US" sz="1400" dirty="0">
+              <a:solidFill>
+                <a:schemeClr val="bg1"/>
+              </a:solidFill>
+            </a:endParaRPr>
+          </a:p>
+        </p:txBody>
+      </p:sp>
+    </p:spTree>
+    <p:extLst>
+      <p:ext uri="{BB962C8B-B14F-4D97-AF65-F5344CB8AC3E}">
+        <p14:creationId xmlns:p14="http://schemas.microsoft.com/office/powerpoint/2010/main" val="3129757660"/>
       </p:ext>
     </p:extLst>
   </p:cSld>

--- a/slides/PICS_talk.pptx
+++ b/slides/PICS_talk.pptx
@@ -59,7 +59,7 @@
     <p:sldId id="343" r:id="rId47"/>
     <p:sldId id="339" r:id="rId48"/>
     <p:sldId id="326" r:id="rId49"/>
-    <p:sldId id="344" r:id="rId50"/>
+    <p:sldId id="345" r:id="rId50"/>
   </p:sldIdLst>
   <p:sldSz cx="9144000" cy="6858000" type="screen4x3"/>
   <p:notesSz cx="6858000" cy="9144000"/>
@@ -215,7 +215,7 @@
             <p14:sldId id="343"/>
             <p14:sldId id="339"/>
             <p14:sldId id="326"/>
-            <p14:sldId id="344"/>
+            <p14:sldId id="345"/>
           </p14:sldIdLst>
         </p14:section>
       </p14:sectionLst>
@@ -1314,6 +1314,98 @@
     <p:extLst>
       <p:ext uri="{BB962C8B-B14F-4D97-AF65-F5344CB8AC3E}">
         <p14:creationId xmlns:p14="http://schemas.microsoft.com/office/powerpoint/2010/main" val="3741690119"/>
+      </p:ext>
+    </p:extLst>
+  </p:cSld>
+  <p:clrMapOvr>
+    <a:masterClrMapping/>
+  </p:clrMapOvr>
+</p:notes>
+</file>
+
+<file path=ppt/notesSlides/notesSlide15.xml><?xml version="1.0" encoding="utf-8"?>
+<p:notes xmlns:a="http://schemas.openxmlformats.org/drawingml/2006/main" xmlns:r="http://schemas.openxmlformats.org/officeDocument/2006/relationships" xmlns:p="http://schemas.openxmlformats.org/presentationml/2006/main">
+  <p:cSld>
+    <p:spTree>
+      <p:nvGrpSpPr>
+        <p:cNvPr id="1" name=""/>
+        <p:cNvGrpSpPr/>
+        <p:nvPr/>
+      </p:nvGrpSpPr>
+      <p:grpSpPr>
+        <a:xfrm>
+          <a:off x="0" y="0"/>
+          <a:ext cx="0" cy="0"/>
+          <a:chOff x="0" y="0"/>
+          <a:chExt cx="0" cy="0"/>
+        </a:xfrm>
+      </p:grpSpPr>
+      <p:sp>
+        <p:nvSpPr>
+          <p:cNvPr id="2" name="Slide Image Placeholder 1"/>
+          <p:cNvSpPr>
+            <a:spLocks noGrp="1" noRot="1" noChangeAspect="1"/>
+          </p:cNvSpPr>
+          <p:nvPr>
+            <p:ph type="sldImg"/>
+          </p:nvPr>
+        </p:nvSpPr>
+        <p:spPr/>
+      </p:sp>
+      <p:sp>
+        <p:nvSpPr>
+          <p:cNvPr id="3" name="Notes Placeholder 2"/>
+          <p:cNvSpPr>
+            <a:spLocks noGrp="1"/>
+          </p:cNvSpPr>
+          <p:nvPr>
+            <p:ph type="body" idx="1"/>
+          </p:nvPr>
+        </p:nvSpPr>
+        <p:spPr/>
+        <p:txBody>
+          <a:bodyPr/>
+          <a:lstStyle/>
+          <a:p>
+            <a:r>
+              <a:rPr lang="en-US" dirty="0" smtClean="0"/>
+              <a:t>Add one slides</a:t>
+            </a:r>
+            <a:r>
+              <a:rPr lang="en-US" baseline="0" dirty="0" smtClean="0"/>
+              <a:t> 20, 21, 31 before this.</a:t>
+            </a:r>
+            <a:endParaRPr lang="en-US" dirty="0"/>
+          </a:p>
+        </p:txBody>
+      </p:sp>
+      <p:sp>
+        <p:nvSpPr>
+          <p:cNvPr id="4" name="Slide Number Placeholder 3"/>
+          <p:cNvSpPr>
+            <a:spLocks noGrp="1"/>
+          </p:cNvSpPr>
+          <p:nvPr>
+            <p:ph type="sldNum" sz="quarter" idx="10"/>
+          </p:nvPr>
+        </p:nvSpPr>
+        <p:spPr/>
+        <p:txBody>
+          <a:bodyPr/>
+          <a:lstStyle/>
+          <a:p>
+            <a:fld id="{08B4712D-D2CB-8747-9EC4-89869EAABFB2}" type="slidenum">
+              <a:rPr lang="en-US" smtClean="0"/>
+              <a:t>49</a:t>
+            </a:fld>
+            <a:endParaRPr lang="en-US"/>
+          </a:p>
+        </p:txBody>
+      </p:sp>
+    </p:spTree>
+    <p:extLst>
+      <p:ext uri="{BB962C8B-B14F-4D97-AF65-F5344CB8AC3E}">
+        <p14:creationId xmlns:p14="http://schemas.microsoft.com/office/powerpoint/2010/main" val="1270680920"/>
       </p:ext>
     </p:extLst>
   </p:cSld>
@@ -18051,101 +18143,85 @@
             <p:ph type="title"/>
           </p:nvPr>
         </p:nvSpPr>
-        <p:spPr>
-          <a:xfrm>
-            <a:off x="457200" y="-75033"/>
-            <a:ext cx="8229600" cy="1143000"/>
-          </a:xfrm>
-        </p:spPr>
+        <p:spPr/>
         <p:txBody>
           <a:bodyPr/>
           <a:lstStyle/>
           <a:p>
             <a:r>
-              <a:rPr lang="en-US" dirty="0" smtClean="0"/>
-              <a:t>More volatile snowlines in disks</a:t>
-            </a:r>
-            <a:endParaRPr lang="en-US" dirty="0"/>
-          </a:p>
-        </p:txBody>
-      </p:sp>
-      <p:pic>
-        <p:nvPicPr>
-          <p:cNvPr id="4" name="Picture 3" descr="CNO_and_snowlines_2.pdf"/>
-          <p:cNvPicPr>
-            <a:picLocks noChangeAspect="1"/>
-          </p:cNvPicPr>
-          <p:nvPr/>
-        </p:nvPicPr>
-        <p:blipFill>
-          <a:blip r:embed="rId2">
-            <a:extLst>
-              <a:ext uri="{28A0092B-C50C-407E-A947-70E740481C1C}">
-                <a14:useLocalDpi xmlns:a14="http://schemas.microsoft.com/office/drawing/2010/main" val="0"/>
-              </a:ext>
-            </a:extLst>
-          </a:blip>
-          <a:stretch>
-            <a:fillRect/>
-          </a:stretch>
-        </p:blipFill>
-        <p:spPr>
-          <a:xfrm>
-            <a:off x="175652" y="1077038"/>
-            <a:ext cx="8745602" cy="5623908"/>
-          </a:xfrm>
-          <a:prstGeom prst="rect">
-            <a:avLst/>
-          </a:prstGeom>
-        </p:spPr>
-      </p:pic>
-      <p:sp>
-        <p:nvSpPr>
-          <p:cNvPr id="5" name="TextBox 4"/>
-          <p:cNvSpPr txBox="1"/>
-          <p:nvPr/>
-        </p:nvSpPr>
-        <p:spPr>
-          <a:xfrm>
-            <a:off x="6228906" y="6364561"/>
-            <a:ext cx="3430472" cy="307777"/>
-          </a:xfrm>
-          <a:prstGeom prst="rect">
-            <a:avLst/>
-          </a:prstGeom>
-          <a:noFill/>
-        </p:spPr>
-        <p:txBody>
-          <a:bodyPr wrap="square" rtlCol="0">
-            <a:spAutoFit/>
+              <a:rPr lang="en-US" dirty="0" smtClean="0">
+                <a:solidFill>
+                  <a:srgbClr val="FFFF00"/>
+                </a:solidFill>
+              </a:rPr>
+              <a:t>TAKEAWAY POINT</a:t>
+            </a:r>
+            <a:endParaRPr lang="en-US" dirty="0">
+              <a:solidFill>
+                <a:srgbClr val="FFFF00"/>
+              </a:solidFill>
+            </a:endParaRPr>
+          </a:p>
+        </p:txBody>
+      </p:sp>
+      <p:sp>
+        <p:nvSpPr>
+          <p:cNvPr id="4" name="Content Placeholder 2"/>
+          <p:cNvSpPr>
+            <a:spLocks noGrp="1"/>
+          </p:cNvSpPr>
+          <p:nvPr>
+            <p:ph idx="1"/>
+          </p:nvPr>
+        </p:nvSpPr>
+        <p:spPr>
+          <a:xfrm>
+            <a:off x="457200" y="1840090"/>
+            <a:ext cx="8404578" cy="2802466"/>
+          </a:xfrm>
+          <a:solidFill>
+            <a:srgbClr val="FFFF00"/>
+          </a:solidFill>
+          <a:ln w="63500">
+            <a:solidFill>
+              <a:srgbClr val="3366FF"/>
+            </a:solidFill>
+          </a:ln>
+        </p:spPr>
+        <p:txBody>
+          <a:bodyPr>
+            <a:normAutofit/>
           </a:bodyPr>
           <a:lstStyle/>
           <a:p>
-            <a:r>
-              <a:rPr lang="en-US" sz="1400" dirty="0" smtClean="0">
+            <a:pPr marL="0" indent="0" algn="ctr">
+              <a:buNone/>
+            </a:pPr>
+            <a:r>
+              <a:rPr lang="en-US" dirty="0" smtClean="0">
                 <a:solidFill>
                   <a:schemeClr val="bg1"/>
                 </a:solidFill>
               </a:rPr>
-              <a:t>Piso, Oberg, </a:t>
-            </a:r>
-            <a:r>
-              <a:rPr lang="en-US" sz="1400" dirty="0" err="1" smtClean="0">
+              <a:t>Radial drift and viscous gas accretion move the snowline locations inwards. This affects the C/</a:t>
+            </a:r>
+            <a:r>
+              <a:rPr lang="en-US" dirty="0" smtClean="0">
                 <a:solidFill>
                   <a:schemeClr val="bg1"/>
                 </a:solidFill>
               </a:rPr>
-              <a:t>Pegues</a:t>
-            </a:r>
-            <a:r>
-              <a:rPr lang="en-US" sz="1400" dirty="0" smtClean="0">
+              <a:t>O (and N/O) </a:t>
+            </a:r>
+            <a:r>
+              <a:rPr lang="en-US" dirty="0" smtClean="0">
                 <a:solidFill>
                   <a:schemeClr val="bg1"/>
                 </a:solidFill>
               </a:rPr>
-              <a:t> (2016, in prep)</a:t>
-            </a:r>
-            <a:endParaRPr lang="en-US" sz="1400" dirty="0">
+              <a:t>ratio in gas and dust throughout the disk, and thus has direct implications in shaping the compositions of nascent giant planets.</a:t>
+            </a:r>
+            <a:endParaRPr lang="en-US" dirty="0">
               <a:solidFill>
                 <a:schemeClr val="bg1"/>
               </a:solidFill>
@@ -18156,7 +18232,7 @@
     </p:spTree>
     <p:extLst>
       <p:ext uri="{BB962C8B-B14F-4D97-AF65-F5344CB8AC3E}">
-        <p14:creationId xmlns:p14="http://schemas.microsoft.com/office/powerpoint/2010/main" val="3129757660"/>
+        <p14:creationId xmlns:p14="http://schemas.microsoft.com/office/powerpoint/2010/main" val="3229807812"/>
       </p:ext>
     </p:extLst>
   </p:cSld>
